--- a/OSu/Chap14.pptx
+++ b/OSu/Chap14.pptx
@@ -17433,11 +17433,6 @@
               </a:rPr>
               <a:t>Pros and cons</a:t>
             </a:r>
-            <a:endParaRPr lang="en-US" altLang="en-US" sz="2000" dirty="0" smtClean="0">
-              <a:solidFill>
-                <a:srgbClr val="000000"/>
-              </a:solidFill>
-            </a:endParaRPr>
           </a:p>
           <a:p>
             <a:pPr lvl="1"/>
@@ -33056,7 +33051,15 @@
             </a:pPr>
             <a:r>
               <a:rPr lang="en-US" altLang="en-US" sz="2400" dirty="0"/>
-              <a:t>No need to traverse the entire list (if # free blocks recorded)</a:t>
+              <a:t>No need to traverse the entire list (if # </a:t>
+            </a:r>
+            <a:r>
+              <a:rPr lang="en-US" altLang="en-US" sz="2400" dirty="0" smtClean="0"/>
+              <a:t>of free </a:t>
+            </a:r>
+            <a:r>
+              <a:rPr lang="en-US" altLang="en-US" sz="2400" dirty="0"/>
+              <a:t>blocks recorded)</a:t>
             </a:r>
           </a:p>
           <a:p>
@@ -34735,7 +34738,7 @@
         <p:spPr>
           <a:xfrm>
             <a:off x="904488" y="1233489"/>
-            <a:ext cx="6652012" cy="4405312"/>
+            <a:ext cx="7663042" cy="4392059"/>
           </a:xfrm>
         </p:spPr>
         <p:txBody>
@@ -37186,7 +37189,6 @@
               <a:rPr lang="en-US" altLang="en-US" sz="2400" dirty="0" smtClean="0"/>
               <a:t>9660 </a:t>
             </a:r>
-            <a:endParaRPr lang="en-US" altLang="en-US" sz="2400" dirty="0" smtClean="0"/>
           </a:p>
           <a:p>
             <a:pPr lvl="2">
@@ -37217,7 +37219,6 @@
               <a:rPr lang="en-US" altLang="en-US" sz="2400" dirty="0" smtClean="0"/>
               <a:t>FFS  </a:t>
             </a:r>
-            <a:endParaRPr lang="en-US" altLang="en-US" sz="2400" dirty="0" smtClean="0"/>
           </a:p>
           <a:p>
             <a:pPr lvl="2">

--- a/OSu/Chap14.pptx
+++ b/OSu/Chap14.pptx
@@ -462,6 +462,11 @@
         </p:txBody>
       </p:sp>
     </p:spTree>
+    <p:extLst>
+      <p:ext uri="{BB962C8B-B14F-4D97-AF65-F5344CB8AC3E}">
+        <p14:creationId xmlns:p14="http://schemas.microsoft.com/office/powerpoint/2010/main" val="1"/>
+      </p:ext>
+    </p:extLst>
   </p:cSld>
   <p:clrMap bg1="lt1" tx1="dk1" bg2="lt2" tx2="dk2" accent1="accent1" accent2="accent2" accent3="accent3" accent4="accent4" accent5="accent5" accent6="accent6" hlink="hlink" folHlink="folHlink"/>
 </p:handoutMaster>
@@ -14545,11 +14550,7 @@
           <a:p>
             <a:r>
               <a:rPr lang="en-US" altLang="en-US" dirty="0"/>
-              <a:t>On-disk </a:t>
-            </a:r>
-            <a:r>
-              <a:rPr lang="en-US" altLang="en-US" dirty="0" smtClean="0"/>
-              <a:t>Structures</a:t>
+              <a:t>On-disk Structures</a:t>
             </a:r>
             <a:endParaRPr lang="zh-TW" altLang="en-US" dirty="0"/>
           </a:p>
@@ -14605,7 +14606,7 @@
               <a:t> </a:t>
             </a:r>
             <a:r>
-              <a:rPr lang="en-US" altLang="en-US" sz="2000" b="1" dirty="0" smtClean="0">
+              <a:rPr lang="en-US" altLang="en-US" sz="2000" b="1" dirty="0">
                 <a:solidFill>
                   <a:srgbClr val="006699"/>
                 </a:solidFill>
@@ -14613,40 +14614,23 @@
               <a:t>block</a:t>
             </a:r>
             <a:r>
-              <a:rPr lang="en-US" altLang="en-US" sz="2000" dirty="0" smtClean="0"/>
-              <a:t>: info </a:t>
-            </a:r>
-            <a:r>
               <a:rPr lang="en-US" altLang="en-US" sz="2000" dirty="0"/>
-              <a:t>needed </a:t>
-            </a:r>
-            <a:r>
-              <a:rPr lang="en-US" altLang="en-US" sz="2000" dirty="0" smtClean="0"/>
-              <a:t>to </a:t>
-            </a:r>
+              <a:t>: info needed to boot OS from that volume</a:t>
+            </a:r>
+          </a:p>
+          <a:p>
+            <a:pPr lvl="1"/>
             <a:r>
               <a:rPr lang="en-US" altLang="en-US" sz="2000" dirty="0"/>
-              <a:t>boot OS from that volume</a:t>
+              <a:t>Needed if volume contains OS, usually first block of volume</a:t>
             </a:r>
           </a:p>
           <a:p>
             <a:pPr lvl="1"/>
             <a:r>
               <a:rPr lang="en-US" altLang="en-US" sz="2000" dirty="0"/>
-              <a:t>Needed if volume contains OS, usually first block of </a:t>
-            </a:r>
-            <a:r>
-              <a:rPr lang="en-US" altLang="en-US" sz="2000" dirty="0" smtClean="0"/>
-              <a:t>volume</a:t>
-            </a:r>
-          </a:p>
-          <a:p>
-            <a:pPr lvl="1"/>
-            <a:r>
-              <a:rPr lang="en-US" altLang="en-US" sz="2000" dirty="0" smtClean="0"/>
               <a:t>UNIX boot block, NTFS partition boot sector</a:t>
             </a:r>
-            <a:endParaRPr lang="en-US" altLang="en-US" sz="2000" dirty="0"/>
           </a:p>
           <a:p>
             <a:r>
@@ -14786,20 +14770,15 @@
             <a:pPr lvl="1"/>
             <a:r>
               <a:rPr lang="en-US" altLang="en-US" sz="2000" dirty="0"/>
-              <a:t>Total # of blocks, # of free blocks, block size, free block pointers or </a:t>
-            </a:r>
-            <a:r>
-              <a:rPr lang="en-US" altLang="en-US" sz="2000" dirty="0" smtClean="0"/>
-              <a:t>array</a:t>
+              <a:t>Total # of blocks, # of free blocks, block size, free block pointers or array</a:t>
             </a:r>
           </a:p>
           <a:p>
             <a:pPr lvl="1"/>
             <a:r>
-              <a:rPr lang="en-US" altLang="en-US" sz="2000" dirty="0" smtClean="0"/>
+              <a:rPr lang="en-US" altLang="en-US" sz="2000" dirty="0"/>
               <a:t>UNIX superblock, NTFS master file table</a:t>
             </a:r>
-            <a:endParaRPr lang="en-US" altLang="en-US" sz="2000" dirty="0"/>
           </a:p>
           <a:p>
             <a:r>
@@ -14810,12 +14789,8 @@
           <a:p>
             <a:pPr lvl="1"/>
             <a:r>
-              <a:rPr lang="en-US" altLang="en-US" sz="2000" dirty="0" smtClean="0"/>
-              <a:t>UNIX filenames </a:t>
-            </a:r>
-            <a:r>
               <a:rPr lang="en-US" altLang="en-US" sz="2000" dirty="0"/>
-              <a:t>and </a:t>
+              <a:t>UNIX filenames and </a:t>
             </a:r>
             <a:r>
               <a:rPr lang="en-US" altLang="en-US" sz="2000" dirty="0" err="1"/>
@@ -14823,15 +14798,7 @@
             </a:r>
             <a:r>
               <a:rPr lang="en-US" altLang="en-US" sz="2000" dirty="0"/>
-              <a:t> numbers, </a:t>
-            </a:r>
-            <a:r>
-              <a:rPr lang="en-US" altLang="en-US" sz="2000" dirty="0" smtClean="0"/>
-              <a:t>NTFS master </a:t>
-            </a:r>
-            <a:r>
-              <a:rPr lang="en-US" altLang="en-US" sz="2000" dirty="0"/>
-              <a:t>file table</a:t>
+              <a:t> numbers, NTFS master file table</a:t>
             </a:r>
           </a:p>
           <a:p>
@@ -14926,34 +14893,9 @@
           <a:p>
             <a:pPr lvl="1"/>
             <a:r>
-              <a:rPr lang="en-US" altLang="en-US" sz="2000" dirty="0" smtClean="0"/>
-              <a:t>NTFS </a:t>
-            </a:r>
-            <a:r>
               <a:rPr lang="en-US" altLang="en-US" sz="2000" dirty="0"/>
-              <a:t>stores </a:t>
-            </a:r>
-            <a:r>
-              <a:rPr lang="en-US" altLang="en-US" sz="2000" dirty="0" smtClean="0"/>
-              <a:t>info </a:t>
-            </a:r>
-            <a:r>
-              <a:rPr lang="en-US" altLang="en-US" sz="2000" dirty="0"/>
-              <a:t>in master file table </a:t>
-            </a:r>
-            <a:r>
-              <a:rPr lang="en-US" altLang="en-US" sz="2000" dirty="0" smtClean="0"/>
-              <a:t>using </a:t>
-            </a:r>
-            <a:r>
-              <a:rPr lang="en-US" altLang="en-US" sz="2000" dirty="0"/>
-              <a:t>relational DB </a:t>
-            </a:r>
-            <a:r>
-              <a:rPr lang="en-US" altLang="en-US" sz="2000" dirty="0" smtClean="0"/>
-              <a:t>structures</a:t>
-            </a:r>
-            <a:endParaRPr lang="en-US" altLang="en-US" sz="2000" dirty="0"/>
+              <a:t>NTFS stores info in master file table using relational DB structures</a:t>
+            </a:r>
           </a:p>
         </p:txBody>
       </p:sp>
@@ -15048,10 +14990,9 @@
           <a:lstStyle/>
           <a:p>
             <a:r>
-              <a:rPr lang="en-US" altLang="en-US" sz="2000" dirty="0" smtClean="0"/>
+              <a:rPr lang="en-US" altLang="en-US" sz="2000" dirty="0"/>
               <a:t>A typical file-control block</a:t>
             </a:r>
-            <a:endParaRPr lang="en-US" altLang="en-US" sz="2000" dirty="0"/>
           </a:p>
         </p:txBody>
       </p:sp>
@@ -15356,13 +15297,13 @@
           </a:p>
           <a:p>
             <a:r>
-              <a:rPr lang="en-US" altLang="en-US" sz="2000" dirty="0" smtClean="0"/>
+              <a:rPr lang="en-US" altLang="en-US" sz="2000" dirty="0"/>
               <a:t>Directory-structure cache holds directory information of recently accessed directories</a:t>
             </a:r>
           </a:p>
           <a:p>
             <a:r>
-              <a:rPr lang="en-US" altLang="en-US" sz="2000" dirty="0" smtClean="0"/>
+              <a:rPr lang="en-US" altLang="en-US" sz="2000" dirty="0"/>
               <a:t>Plus buffers hold data blocks from secondary storage</a:t>
             </a:r>
           </a:p>
@@ -17232,13 +17173,8 @@
             </a:r>
             <a:r>
               <a:rPr lang="en-US" altLang="en-US" sz="2400" dirty="0"/>
-              <a:t>is </a:t>
-            </a:r>
-            <a:r>
-              <a:rPr lang="en-US" altLang="en-US" sz="2400" dirty="0" smtClean="0"/>
-              <a:t>contiguous blocks on disk</a:t>
-            </a:r>
-            <a:endParaRPr lang="en-US" altLang="en-US" sz="2400" dirty="0"/>
+              <a:t>is contiguous blocks on disk</a:t>
+            </a:r>
           </a:p>
           <a:p>
             <a:pPr lvl="1"/>
@@ -17397,26 +17333,18 @@
           <a:p>
             <a:pPr lvl="1"/>
             <a:r>
-              <a:rPr lang="en-US" altLang="en-US" sz="2000" dirty="0" smtClean="0">
+              <a:rPr lang="en-US" altLang="en-US" sz="2000" dirty="0">
                 <a:solidFill>
                   <a:srgbClr val="000000"/>
                 </a:solidFill>
               </a:rPr>
-              <a:t>Each </a:t>
-            </a:r>
+              <a:t>Each block contains pointer to next block</a:t>
+            </a:r>
+          </a:p>
+          <a:p>
+            <a:pPr lvl="1"/>
             <a:r>
               <a:rPr lang="en-US" altLang="en-US" sz="2000" dirty="0">
-                <a:solidFill>
-                  <a:srgbClr val="000000"/>
-                </a:solidFill>
-              </a:rPr>
-              <a:t>block contains pointer to next block</a:t>
-            </a:r>
-          </a:p>
-          <a:p>
-            <a:pPr lvl="1"/>
-            <a:r>
-              <a:rPr lang="en-US" altLang="en-US" sz="2000" dirty="0" smtClean="0">
                 <a:solidFill>
                   <a:srgbClr val="000000"/>
                 </a:solidFill>
@@ -17426,7 +17354,7 @@
           </a:p>
           <a:p>
             <a:r>
-              <a:rPr lang="en-US" altLang="en-US" sz="2000" dirty="0" smtClean="0">
+              <a:rPr lang="en-US" altLang="en-US" sz="2000" dirty="0">
                 <a:solidFill>
                   <a:srgbClr val="000000"/>
                 </a:solidFill>
@@ -17437,26 +17365,18 @@
           <a:p>
             <a:pPr lvl="1"/>
             <a:r>
-              <a:rPr lang="en-US" altLang="en-US" sz="2000" dirty="0" smtClean="0">
+              <a:rPr lang="en-US" altLang="en-US" sz="2000" dirty="0">
                 <a:solidFill>
                   <a:srgbClr val="000000"/>
                 </a:solidFill>
               </a:rPr>
-              <a:t>No </a:t>
-            </a:r>
+              <a:t>No compaction, external fragmentation</a:t>
+            </a:r>
+          </a:p>
+          <a:p>
+            <a:pPr lvl="1"/>
             <a:r>
               <a:rPr lang="en-US" altLang="en-US" sz="2000" dirty="0">
-                <a:solidFill>
-                  <a:srgbClr val="000000"/>
-                </a:solidFill>
-              </a:rPr>
-              <a:t>compaction, external fragmentation</a:t>
-            </a:r>
-          </a:p>
-          <a:p>
-            <a:pPr lvl="1"/>
-            <a:r>
-              <a:rPr lang="en-US" altLang="en-US" sz="2000" dirty="0" smtClean="0">
                 <a:solidFill>
                   <a:srgbClr val="0000FF"/>
                 </a:solidFill>
@@ -17464,20 +17384,12 @@
               <a:t>Reliability</a:t>
             </a:r>
             <a:r>
-              <a:rPr lang="en-US" altLang="en-US" sz="2000" dirty="0" smtClean="0">
+              <a:rPr lang="en-US" altLang="en-US" sz="2000" dirty="0">
                 <a:solidFill>
                   <a:srgbClr val="000000"/>
                 </a:solidFill>
               </a:rPr>
-              <a:t> </a:t>
-            </a:r>
-            <a:r>
-              <a:rPr lang="en-US" altLang="en-US" sz="2000" dirty="0">
-                <a:solidFill>
-                  <a:srgbClr val="000000"/>
-                </a:solidFill>
-              </a:rPr>
-              <a:t>can be a problem</a:t>
+              <a:t> can be a problem</a:t>
             </a:r>
           </a:p>
           <a:p>
@@ -17510,7 +17422,7 @@
           <a:p>
             <a:pPr lvl="2"/>
             <a:r>
-              <a:rPr lang="en-US" altLang="en-US" sz="2000" dirty="0" smtClean="0">
+              <a:rPr lang="en-US" altLang="en-US" sz="2000" dirty="0">
                 <a:solidFill>
                   <a:srgbClr val="000000"/>
                 </a:solidFill>
@@ -17653,21 +17565,8 @@
                   <a:srgbClr val="000000"/>
                 </a:solidFill>
               </a:rPr>
-              <a:t>New block allocation </a:t>
-            </a:r>
-            <a:r>
-              <a:rPr lang="en-US" altLang="en-US" sz="2400" dirty="0" smtClean="0">
-                <a:solidFill>
-                  <a:srgbClr val="000000"/>
-                </a:solidFill>
-              </a:rPr>
-              <a:t>is simple</a:t>
-            </a:r>
-            <a:endParaRPr lang="en-US" altLang="en-US" sz="2400" dirty="0">
-              <a:solidFill>
-                <a:srgbClr val="000000"/>
-              </a:solidFill>
-            </a:endParaRPr>
+              <a:t>New block allocation is simple</a:t>
+            </a:r>
           </a:p>
           <a:p>
             <a:pPr>
@@ -19329,13 +19228,8 @@
             </a:r>
             <a:r>
               <a:rPr lang="en-US" altLang="en-US" sz="2000" dirty="0"/>
-              <a:t> block in the linked chain of blocks representing the </a:t>
-            </a:r>
-            <a:r>
-              <a:rPr lang="en-US" altLang="en-US" sz="2000" dirty="0" smtClean="0"/>
-              <a:t>file</a:t>
-            </a:r>
-            <a:endParaRPr lang="en-US" altLang="en-US" sz="2000" dirty="0"/>
+              <a:t> block in the linked chain of blocks representing the file</a:t>
+            </a:r>
           </a:p>
           <a:p>
             <a:pPr lvl="1">
@@ -20886,7 +20780,7 @@
               </a:lnSpc>
             </a:pPr>
             <a:r>
-              <a:rPr lang="en-US" altLang="en-US" sz="2000" dirty="0" smtClean="0"/>
+              <a:rPr lang="en-US" altLang="en-US" sz="2000" dirty="0"/>
               <a:t>Pros and cons</a:t>
             </a:r>
           </a:p>
@@ -20897,12 +20791,8 @@
               </a:lnSpc>
             </a:pPr>
             <a:r>
-              <a:rPr lang="en-US" altLang="en-US" sz="2000" dirty="0" smtClean="0"/>
-              <a:t>Need </a:t>
-            </a:r>
-            <a:r>
               <a:rPr lang="en-US" altLang="en-US" sz="2000" dirty="0"/>
-              <a:t>index table</a:t>
+              <a:t>Need index table</a:t>
             </a:r>
           </a:p>
           <a:p>
@@ -20912,12 +20802,8 @@
               </a:lnSpc>
             </a:pPr>
             <a:r>
-              <a:rPr lang="en-US" altLang="en-US" sz="2000" dirty="0" smtClean="0"/>
-              <a:t>Random </a:t>
-            </a:r>
-            <a:r>
               <a:rPr lang="en-US" altLang="en-US" sz="2000" dirty="0"/>
-              <a:t>access</a:t>
+              <a:t>Random access</a:t>
             </a:r>
           </a:p>
           <a:p>
@@ -20927,12 +20813,16 @@
               </a:lnSpc>
             </a:pPr>
             <a:r>
-              <a:rPr lang="en-US" altLang="en-US" sz="2000" dirty="0" smtClean="0"/>
-              <a:t>Dynamic </a:t>
-            </a:r>
-            <a:r>
               <a:rPr lang="en-US" altLang="en-US" sz="2000" dirty="0"/>
-              <a:t>access without external fragmentation, but have overhead of index block</a:t>
+              <a:t>Dynamic access without external fragmentation, but have </a:t>
+            </a:r>
+            <a:r>
+              <a:rPr lang="en-US" altLang="en-US" sz="2000" dirty="0">
+                <a:solidFill>
+                  <a:srgbClr val="0000FF"/>
+                </a:solidFill>
+              </a:rPr>
+              <a:t>overhead of index block</a:t>
             </a:r>
           </a:p>
           <a:p>
@@ -20951,7 +20841,18 @@
             </a:pPr>
             <a:r>
               <a:rPr lang="en-US" altLang="en-US" sz="2000" dirty="0"/>
-              <a:t>Mapping from logical to physical in a file of maximum size of 256K bytes and block size of 512 bytes.  We need only 1 block for index table</a:t>
+              <a:t>Mapping from logical to physical in a file of maximum size of 256K bytes and block size of 512 bytes</a:t>
+            </a:r>
+          </a:p>
+          <a:p>
+            <a:pPr lvl="1">
+              <a:lnSpc>
+                <a:spcPct val="90000"/>
+              </a:lnSpc>
+            </a:pPr>
+            <a:r>
+              <a:rPr lang="en-US" altLang="en-US" sz="2000" dirty="0"/>
+              <a:t>We need only 1 block for index table</a:t>
             </a:r>
           </a:p>
         </p:txBody>
@@ -22149,8 +22050,16 @@
               </a:lnSpc>
             </a:pPr>
             <a:r>
+              <a:rPr lang="en-US" altLang="en-US" sz="2000" dirty="0">
+                <a:solidFill>
+                  <a:srgbClr val="0000FF"/>
+                </a:solidFill>
+              </a:rPr>
+              <a:t>Linked scheme </a:t>
+            </a:r>
+            <a:r>
               <a:rPr lang="en-US" altLang="en-US" sz="2000" dirty="0"/>
-              <a:t>Linked scheme – Link blocks of index table (no limit on size)</a:t>
+              <a:t>– Link blocks of index table (no limit on size)</a:t>
             </a:r>
           </a:p>
         </p:txBody>
@@ -24382,13 +24291,8 @@
             </a:r>
             <a:r>
               <a:rPr kumimoji="0" lang="en-US" altLang="en-US" sz="2000" dirty="0"/>
-              <a:t> displacement into block of </a:t>
-            </a:r>
-            <a:r>
-              <a:rPr kumimoji="0" lang="en-US" altLang="en-US" sz="2000" dirty="0" smtClean="0"/>
-              <a:t>file</a:t>
-            </a:r>
-            <a:endParaRPr kumimoji="0" lang="en-US" altLang="en-US" sz="2000" dirty="0"/>
+              <a:t> displacement into block of file</a:t>
+            </a:r>
           </a:p>
         </p:txBody>
       </p:sp>
@@ -24445,8 +24349,19 @@
           <a:lstStyle/>
           <a:p>
             <a:r>
+              <a:rPr lang="en-US" altLang="en-US" sz="2000" dirty="0">
+                <a:solidFill>
+                  <a:srgbClr val="0000FF"/>
+                </a:solidFill>
+              </a:rPr>
+              <a:t>Multi-level scheme </a:t>
+            </a:r>
+          </a:p>
+          <a:p>
+            <a:pPr lvl="1"/>
+            <a:r>
               <a:rPr lang="en-US" altLang="en-US" sz="2000" dirty="0"/>
-              <a:t>Two-level index (4K blocks could store 1,024 four-byte pointers in outer index -&gt; 1,048,567 data blocks and file size of up to 4GB)</a:t>
+              <a:t>4K blocks could store 1,024 four-byte pointers in outer index -&gt; 1,048,567 data blocks and file size of up to 4GB</a:t>
             </a:r>
           </a:p>
         </p:txBody>
@@ -24467,7 +24382,7 @@
         </p:nvGrpSpPr>
         <p:grpSpPr bwMode="auto">
           <a:xfrm>
-            <a:off x="3294063" y="2101850"/>
+            <a:off x="3299619" y="2447924"/>
             <a:ext cx="2376487" cy="852488"/>
             <a:chOff x="3294063" y="2101850"/>
             <a:chExt cx="2376487" cy="852488"/>
@@ -24704,7 +24619,7 @@
                 <a:buNone/>
               </a:pPr>
               <a:r>
-                <a:rPr kumimoji="0" lang="en-US" altLang="en-US" sz="1600"/>
+                <a:rPr kumimoji="0" lang="en-US" altLang="en-US" sz="1600" dirty="0"/>
                 <a:t>LA / (512 x 512)</a:t>
               </a:r>
             </a:p>
@@ -26670,13 +26585,8 @@
             </a:r>
             <a:r>
               <a:rPr kumimoji="0" lang="en-US" altLang="en-US" sz="2000" dirty="0"/>
-              <a:t> displacement into block of </a:t>
-            </a:r>
-            <a:r>
-              <a:rPr kumimoji="0" lang="en-US" altLang="en-US" sz="2000" dirty="0" smtClean="0"/>
-              <a:t>file</a:t>
-            </a:r>
-            <a:endParaRPr kumimoji="0" lang="en-US" altLang="en-US" sz="2000" dirty="0"/>
+              <a:t> displacement into block of file</a:t>
+            </a:r>
           </a:p>
         </p:txBody>
       </p:sp>
@@ -26877,7 +26787,7 @@
         <p:spPr bwMode="auto">
           <a:xfrm>
             <a:off x="819150" y="5788025"/>
-            <a:ext cx="7931150" cy="368300"/>
+            <a:ext cx="7931150" cy="646327"/>
           </a:xfrm>
           <a:prstGeom prst="rect">
             <a:avLst/>
@@ -27081,20 +26991,55 @@
             </a:lvl9pPr>
           </a:lstStyle>
           <a:p>
-            <a:pPr>
+            <a:pPr marL="285750" indent="-285750">
               <a:spcBef>
                 <a:spcPct val="0"/>
               </a:spcBef>
               <a:buClrTx/>
               <a:buSzTx/>
-              <a:buFontTx/>
-              <a:buNone/>
+              <a:buFont typeface="Wingdings" panose="05000000000000000000" pitchFamily="2" charset="2"/>
+              <a:buChar char="l"/>
             </a:pPr>
             <a:r>
               <a:rPr kumimoji="0" lang="en-US" altLang="en-US">
                 <a:latin typeface="Verdana" panose="020B0604030504040204" pitchFamily="34" charset="0"/>
               </a:rPr>
-              <a:t>More index blocks than can be addressed with 32-bit file pointer</a:t>
+              <a:t>More blocks </a:t>
+            </a:r>
+            <a:r>
+              <a:rPr kumimoji="0" lang="en-US" altLang="en-US" dirty="0">
+                <a:latin typeface="Verdana" panose="020B0604030504040204" pitchFamily="34" charset="0"/>
+              </a:rPr>
+              <a:t>than can be addressed with 32-bit file pointer</a:t>
+            </a:r>
+          </a:p>
+          <a:p>
+            <a:pPr marL="1028700" lvl="1">
+              <a:spcBef>
+                <a:spcPct val="0"/>
+              </a:spcBef>
+              <a:buClrTx/>
+              <a:buSzTx/>
+              <a:buFont typeface="Wingdings" panose="05000000000000000000" pitchFamily="2" charset="2"/>
+              <a:buChar char="Ø"/>
+            </a:pPr>
+            <a:r>
+              <a:rPr kumimoji="0" lang="en-US" altLang="en-US" dirty="0">
+                <a:latin typeface="Verdana" panose="020B0604030504040204" pitchFamily="34" charset="0"/>
+              </a:rPr>
+              <a:t>2</a:t>
+            </a:r>
+            <a:r>
+              <a:rPr kumimoji="0" lang="en-US" altLang="en-US" baseline="30000" dirty="0">
+                <a:latin typeface="Verdana" panose="020B0604030504040204" pitchFamily="34" charset="0"/>
+              </a:rPr>
+              <a:t>32</a:t>
+            </a:r>
+            <a:r>
+              <a:rPr kumimoji="0" lang="en-US" altLang="en-US" dirty="0">
+                <a:latin typeface="Verdana" panose="020B0604030504040204" pitchFamily="34" charset="0"/>
+              </a:rPr>
+              <a:t>=4GB</a:t>
             </a:r>
           </a:p>
         </p:txBody>
@@ -27649,7 +27594,7 @@
           <a:p>
             <a:r>
               <a:rPr lang="en-US" altLang="en-US" dirty="0"/>
-              <a:t>Best method depends on file access type</a:t>
+              <a:t>Best allocation method depends on file access type</a:t>
             </a:r>
           </a:p>
           <a:p>
@@ -27702,15 +27647,7 @@
             <a:pPr lvl="1"/>
             <a:r>
               <a:rPr lang="en-US" altLang="en-US" dirty="0"/>
-              <a:t>Using old algorithm </a:t>
-            </a:r>
-            <a:r>
-              <a:rPr lang="en-US" altLang="en-US" dirty="0" smtClean="0"/>
-              <a:t>takes </a:t>
-            </a:r>
-            <a:r>
-              <a:rPr lang="en-US" altLang="en-US" dirty="0"/>
-              <a:t>many CPU cycles trying to avoid non-existent head movement</a:t>
+              <a:t>Using old algorithm takes many CPU cycles trying to avoid non-existent head movement</a:t>
             </a:r>
           </a:p>
           <a:p>
@@ -27819,22 +27756,20 @@
             <a:pPr lvl="1"/>
             <a:r>
               <a:rPr lang="en-US" altLang="en-US" sz="2000" dirty="0"/>
-              <a:t>Intel Core i7 Extreme Edition 990x (2011) at </a:t>
-            </a:r>
-            <a:r>
-              <a:rPr lang="en-US" altLang="en-US" sz="2000" dirty="0" smtClean="0"/>
-              <a:t>3.46GHz </a:t>
+              <a:t>Intel Core i7 Extreme Edition 990x (2011) at 3.46GHz = 159,000 MIPS</a:t>
+            </a:r>
+          </a:p>
+          <a:p>
+            <a:pPr lvl="2"/>
+            <a:r>
+              <a:rPr lang="en-US" altLang="en-US" sz="2000" dirty="0">
+                <a:hlinkClick r:id="rId2"/>
+              </a:rPr>
+              <a:t>https://en.wikipedia.org/wiki/Instructions_per_second</a:t>
             </a:r>
             <a:r>
               <a:rPr lang="en-US" altLang="en-US" sz="2000" dirty="0"/>
-              <a:t>= 159,000 MIPS</a:t>
-            </a:r>
-          </a:p>
-          <a:p>
-            <a:pPr lvl="2"/>
-            <a:r>
-              <a:rPr lang="en-US" altLang="en-US" sz="2000" dirty="0"/>
-              <a:t>http://en.wikipedia.org/wiki/Instructions_per_second</a:t>
+              <a:t> </a:t>
             </a:r>
           </a:p>
           <a:p>
@@ -33051,15 +32986,7 @@
             </a:pPr>
             <a:r>
               <a:rPr lang="en-US" altLang="en-US" sz="2400" dirty="0"/>
-              <a:t>No need to traverse the entire list (if # </a:t>
-            </a:r>
-            <a:r>
-              <a:rPr lang="en-US" altLang="en-US" sz="2400" dirty="0" smtClean="0"/>
-              <a:t>of free </a:t>
-            </a:r>
-            <a:r>
-              <a:rPr lang="en-US" altLang="en-US" sz="2400" dirty="0"/>
-              <a:t>blocks recorded)</a:t>
+              <a:t>No need to traverse the entire list (if # of free blocks recorded)</a:t>
             </a:r>
           </a:p>
           <a:p>
@@ -34047,10 +33974,6 @@
               <a:rPr lang="en-US" altLang="en-US" sz="2400" dirty="0"/>
               <a:t>Fixed-size or varying-size data structures</a:t>
             </a:r>
-            <a:r>
-              <a:rPr lang="en-US" altLang="en-US" dirty="0"/>
-              <a:t/>
-            </a:r>
             <a:br>
               <a:rPr lang="en-US" altLang="en-US" dirty="0"/>
             </a:br>
@@ -34304,10 +34227,6 @@
               <a:buFont typeface="Monotype Sorts" pitchFamily="-84" charset="2"/>
               <a:buNone/>
             </a:pPr>
-            <a:r>
-              <a:rPr lang="en-US" altLang="en-US" dirty="0"/>
-              <a:t/>
-            </a:r>
             <a:br>
               <a:rPr lang="en-US" altLang="en-US" dirty="0"/>
             </a:br>
@@ -34463,28 +34382,100 @@
           <a:p>
             <a:pPr lvl="1"/>
             <a:r>
-              <a:rPr lang="en-US" altLang="en-US" dirty="0" smtClean="0"/>
-              <a:t>Provides </a:t>
-            </a:r>
-            <a:r>
               <a:rPr lang="en-US" altLang="en-US" dirty="0"/>
-              <a:t>user interface to storage, mapping logical to physical</a:t>
+              <a:t>Provides user interface to storage, mapping logical to physical</a:t>
             </a:r>
           </a:p>
           <a:p>
             <a:pPr lvl="1"/>
             <a:r>
               <a:rPr lang="en-US" altLang="en-US" dirty="0"/>
-              <a:t>Provides efficient and convenient access to disk by allowing data to be stored, </a:t>
-            </a:r>
-            <a:r>
-              <a:rPr lang="en-US" altLang="en-US" dirty="0" smtClean="0"/>
-              <a:t>located, and </a:t>
+              <a:t>Provides efficient and convenient access to disk by allowing data to be stored, located, and retrieved easily</a:t>
+            </a:r>
+          </a:p>
+          <a:p>
+            <a:pPr lvl="1"/>
+            <a:r>
+              <a:rPr lang="en-US" altLang="en-US" b="1" dirty="0">
+                <a:solidFill>
+                  <a:srgbClr val="006699"/>
+                </a:solidFill>
+                <a:latin typeface="+mj-lt"/>
+              </a:rPr>
+              <a:t>File</a:t>
+            </a:r>
+            <a:r>
+              <a:rPr lang="en-US" altLang="en-US" b="1" dirty="0">
+                <a:solidFill>
+                  <a:srgbClr val="3366FF"/>
+                </a:solidFill>
+              </a:rPr>
+              <a:t> </a:t>
+            </a:r>
+            <a:r>
+              <a:rPr lang="en-US" altLang="en-US" b="1" dirty="0">
+                <a:solidFill>
+                  <a:srgbClr val="006699"/>
+                </a:solidFill>
+                <a:latin typeface="+mj-lt"/>
+              </a:rPr>
+              <a:t>control</a:t>
+            </a:r>
+            <a:r>
+              <a:rPr lang="en-US" altLang="en-US" b="1" dirty="0">
+                <a:solidFill>
+                  <a:srgbClr val="3366FF"/>
+                </a:solidFill>
+              </a:rPr>
+              <a:t> </a:t>
+            </a:r>
+            <a:r>
+              <a:rPr lang="en-US" altLang="en-US" b="1" dirty="0">
+                <a:solidFill>
+                  <a:srgbClr val="006699"/>
+                </a:solidFill>
+                <a:latin typeface="+mj-lt"/>
+              </a:rPr>
+              <a:t>block</a:t>
+            </a:r>
+            <a:r>
+              <a:rPr lang="en-US" altLang="en-US" b="1" dirty="0">
+                <a:solidFill>
+                  <a:srgbClr val="3366FF"/>
+                </a:solidFill>
+              </a:rPr>
+              <a:t> </a:t>
             </a:r>
             <a:r>
               <a:rPr lang="en-US" altLang="en-US" dirty="0"/>
-              <a:t>retrieved easily</a:t>
-            </a:r>
+              <a:t>(</a:t>
+            </a:r>
+            <a:r>
+              <a:rPr lang="en-US" altLang="en-US" b="1" dirty="0">
+                <a:solidFill>
+                  <a:srgbClr val="006699"/>
+                </a:solidFill>
+                <a:latin typeface="+mj-lt"/>
+              </a:rPr>
+              <a:t>FCB</a:t>
+            </a:r>
+            <a:r>
+              <a:rPr lang="en-US" altLang="en-US" dirty="0"/>
+              <a:t>)</a:t>
+            </a:r>
+            <a:r>
+              <a:rPr lang="en-US" altLang="en-US" dirty="0">
+                <a:solidFill>
+                  <a:srgbClr val="3366FF"/>
+                </a:solidFill>
+              </a:rPr>
+              <a:t> </a:t>
+            </a:r>
+            <a:r>
+              <a:rPr lang="en-US" altLang="en-US" dirty="0"/>
+              <a:t>– storage structure consisting of information about a file</a:t>
+            </a:r>
+            <a:endParaRPr lang="en-US" altLang="en-US" sz="800" dirty="0"/>
           </a:p>
           <a:p>
             <a:r>
@@ -34527,89 +34518,7 @@
             <a:endParaRPr lang="en-US" altLang="en-US" sz="800" dirty="0"/>
           </a:p>
           <a:p>
-            <a:r>
-              <a:rPr lang="en-US" altLang="en-US" b="1" dirty="0">
-                <a:solidFill>
-                  <a:srgbClr val="006699"/>
-                </a:solidFill>
-                <a:latin typeface="+mj-lt"/>
-              </a:rPr>
-              <a:t>File</a:t>
-            </a:r>
-            <a:r>
-              <a:rPr lang="en-US" altLang="en-US" b="1" dirty="0">
-                <a:solidFill>
-                  <a:srgbClr val="3366FF"/>
-                </a:solidFill>
-              </a:rPr>
-              <a:t> </a:t>
-            </a:r>
-            <a:r>
-              <a:rPr lang="en-US" altLang="en-US" b="1" dirty="0">
-                <a:solidFill>
-                  <a:srgbClr val="006699"/>
-                </a:solidFill>
-                <a:latin typeface="+mj-lt"/>
-              </a:rPr>
-              <a:t>control</a:t>
-            </a:r>
-            <a:r>
-              <a:rPr lang="en-US" altLang="en-US" b="1" dirty="0">
-                <a:solidFill>
-                  <a:srgbClr val="3366FF"/>
-                </a:solidFill>
-              </a:rPr>
-              <a:t> </a:t>
-            </a:r>
-            <a:r>
-              <a:rPr lang="en-US" altLang="en-US" b="1" dirty="0">
-                <a:solidFill>
-                  <a:srgbClr val="006699"/>
-                </a:solidFill>
-                <a:latin typeface="+mj-lt"/>
-              </a:rPr>
-              <a:t>block</a:t>
-            </a:r>
-            <a:r>
-              <a:rPr lang="en-US" altLang="en-US" b="1" dirty="0">
-                <a:solidFill>
-                  <a:srgbClr val="3366FF"/>
-                </a:solidFill>
-              </a:rPr>
-              <a:t> </a:t>
-            </a:r>
-            <a:r>
-              <a:rPr lang="en-US" altLang="en-US" dirty="0"/>
-              <a:t>(</a:t>
-            </a:r>
-            <a:r>
-              <a:rPr lang="en-US" altLang="en-US" b="1" dirty="0">
-                <a:solidFill>
-                  <a:srgbClr val="006699"/>
-                </a:solidFill>
-                <a:latin typeface="+mj-lt"/>
-              </a:rPr>
-              <a:t>FCB</a:t>
-            </a:r>
-            <a:r>
-              <a:rPr lang="en-US" altLang="en-US" dirty="0"/>
-              <a:t>)</a:t>
-            </a:r>
-            <a:r>
-              <a:rPr lang="en-US" altLang="en-US" dirty="0">
-                <a:solidFill>
-                  <a:srgbClr val="3366FF"/>
-                </a:solidFill>
-              </a:rPr>
-              <a:t> </a:t>
-            </a:r>
-            <a:r>
-              <a:rPr lang="en-US" altLang="en-US" dirty="0"/>
-              <a:t>– storage structure consisting of information about a file</a:t>
-            </a:r>
-            <a:endParaRPr lang="en-US" altLang="en-US" sz="800" dirty="0"/>
-          </a:p>
-          <a:p>
+            <a:pPr lvl="1"/>
             <a:r>
               <a:rPr lang="en-US" altLang="en-US" b="1" dirty="0">
                 <a:solidFill>
@@ -35613,12 +35522,8 @@
           <a:p>
             <a:pPr lvl="1"/>
             <a:r>
-              <a:rPr lang="en-US" altLang="en-US" sz="2000" dirty="0" smtClean="0"/>
-              <a:t>A </a:t>
-            </a:r>
-            <a:r>
               <a:rPr lang="en-US" altLang="en-US" sz="2000" dirty="0"/>
-              <a:t>transaction is considered </a:t>
+              <a:t>A transaction is considered </a:t>
             </a:r>
             <a:r>
               <a:rPr lang="en-US" altLang="en-US" sz="2000" dirty="0">
@@ -35781,11 +35686,7 @@
           <a:p>
             <a:r>
               <a:rPr lang="en-US" altLang="en-US" sz="2400" dirty="0"/>
-              <a:t>Used on Network </a:t>
-            </a:r>
-            <a:r>
-              <a:rPr lang="en-US" altLang="en-US" sz="2400" dirty="0" smtClean="0"/>
-              <a:t>Appliance (NetApp) </a:t>
+              <a:t>Used on Network Appliance (NetApp) </a:t>
             </a:r>
             <a:r>
               <a:rPr lang="ja-JP" altLang="en-US" sz="2400" dirty="0"/>
@@ -35811,7 +35712,7 @@
               <a:t>“</a:t>
             </a:r>
             <a:r>
-              <a:rPr lang="en-US" altLang="ja-JP" sz="2400" dirty="0" smtClean="0">
+              <a:rPr lang="en-US" altLang="ja-JP" sz="2400" dirty="0">
                 <a:solidFill>
                   <a:srgbClr val="0000FF"/>
                 </a:solidFill>
@@ -35819,11 +35720,11 @@
               <a:t>W</a:t>
             </a:r>
             <a:r>
-              <a:rPr lang="en-US" altLang="ja-JP" sz="2400" dirty="0" smtClean="0"/>
+              <a:rPr lang="en-US" altLang="ja-JP" sz="2400" dirty="0"/>
               <a:t>rite-</a:t>
             </a:r>
             <a:r>
-              <a:rPr lang="en-US" altLang="ja-JP" sz="2400" dirty="0" smtClean="0">
+              <a:rPr lang="en-US" altLang="ja-JP" sz="2400" dirty="0">
                 <a:solidFill>
                   <a:srgbClr val="0000FF"/>
                 </a:solidFill>
@@ -35831,11 +35732,11 @@
               <a:t>A</a:t>
             </a:r>
             <a:r>
-              <a:rPr lang="en-US" altLang="ja-JP" sz="2400" dirty="0" smtClean="0"/>
+              <a:rPr lang="en-US" altLang="ja-JP" sz="2400" dirty="0"/>
               <a:t>nywhere </a:t>
             </a:r>
             <a:r>
-              <a:rPr lang="en-US" altLang="ja-JP" sz="2400" dirty="0" smtClean="0">
+              <a:rPr lang="en-US" altLang="ja-JP" sz="2400" dirty="0">
                 <a:solidFill>
                   <a:srgbClr val="0000FF"/>
                 </a:solidFill>
@@ -35843,11 +35744,11 @@
               <a:t>F</a:t>
             </a:r>
             <a:r>
-              <a:rPr lang="en-US" altLang="ja-JP" sz="2400" dirty="0" smtClean="0"/>
+              <a:rPr lang="en-US" altLang="ja-JP" sz="2400" dirty="0"/>
               <a:t>ile </a:t>
             </a:r>
             <a:r>
-              <a:rPr lang="en-US" altLang="ja-JP" sz="2400" dirty="0" smtClean="0">
+              <a:rPr lang="en-US" altLang="ja-JP" sz="2400" dirty="0">
                 <a:solidFill>
                   <a:srgbClr val="0000FF"/>
                 </a:solidFill>
@@ -35855,7 +35756,7 @@
               <a:t>L</a:t>
             </a:r>
             <a:r>
-              <a:rPr lang="en-US" altLang="ja-JP" sz="2400" dirty="0" smtClean="0"/>
+              <a:rPr lang="en-US" altLang="ja-JP" sz="2400" dirty="0"/>
               <a:t>ayout</a:t>
             </a:r>
             <a:r>
@@ -35867,13 +35768,8 @@
           <a:p>
             <a:r>
               <a:rPr lang="en-US" altLang="en-US" sz="2400" dirty="0"/>
-              <a:t>Serves up NFS, CIFS, </a:t>
-            </a:r>
-            <a:r>
-              <a:rPr lang="en-US" altLang="en-US" sz="2400" dirty="0" smtClean="0"/>
-              <a:t>HTTP, FTP</a:t>
-            </a:r>
-            <a:endParaRPr lang="en-US" altLang="en-US" sz="2400" dirty="0"/>
+              <a:t>Serves up NFS, CIFS, HTTP, FTP</a:t>
+            </a:r>
           </a:p>
           <a:p>
             <a:r>
@@ -36139,13 +36035,6 @@
   <p:clrMapOvr>
     <a:masterClrMapping/>
   </p:clrMapOvr>
-  <p:timing>
-    <p:tnLst>
-      <p:par>
-        <p:cTn id="1" dur="indefinite" restart="never" nodeType="tmRoot"/>
-      </p:par>
-    </p:tnLst>
-  </p:timing>
 </p:sld>
 </file>
 
@@ -36182,7 +36071,7 @@
           <a:lstStyle/>
           <a:p>
             <a:r>
-              <a:rPr lang="en-US" altLang="zh-TW" dirty="0" smtClean="0"/>
+              <a:rPr lang="en-US" altLang="zh-TW" dirty="0"/>
               <a:t>The Apple File System</a:t>
             </a:r>
             <a:endParaRPr lang="zh-TW" altLang="en-US" dirty="0"/>
@@ -36205,72 +36094,72 @@
           <a:lstStyle/>
           <a:p>
             <a:r>
-              <a:rPr lang="en-US" altLang="zh-TW" dirty="0" smtClean="0"/>
+              <a:rPr lang="en-US" altLang="zh-TW" dirty="0"/>
               <a:t>Apple released a new file system in 2017 called APFS to replace its 30-year-old HFS+ </a:t>
             </a:r>
           </a:p>
           <a:p>
             <a:r>
-              <a:rPr lang="en-US" altLang="zh-TW" dirty="0" smtClean="0"/>
+              <a:rPr lang="en-US" altLang="zh-TW" dirty="0"/>
               <a:t>The goal is to run on all current Apple devices</a:t>
             </a:r>
           </a:p>
           <a:p>
             <a:pPr lvl="1"/>
             <a:r>
-              <a:rPr lang="en-US" altLang="zh-TW" dirty="0" smtClean="0"/>
+              <a:rPr lang="en-US" altLang="zh-TW" dirty="0"/>
               <a:t>From Apple Watch through the </a:t>
             </a:r>
             <a:r>
-              <a:rPr lang="en-US" altLang="zh-TW" dirty="0" err="1" smtClean="0"/>
+              <a:rPr lang="en-US" altLang="zh-TW" dirty="0" err="1"/>
               <a:t>iphone</a:t>
             </a:r>
             <a:r>
-              <a:rPr lang="en-US" altLang="zh-TW" dirty="0" smtClean="0"/>
+              <a:rPr lang="en-US" altLang="zh-TW" dirty="0"/>
               <a:t> to the Mac computers</a:t>
             </a:r>
           </a:p>
           <a:p>
             <a:pPr lvl="1"/>
             <a:r>
-              <a:rPr lang="en-US" altLang="zh-TW" dirty="0" err="1" smtClean="0"/>
+              <a:rPr lang="en-US" altLang="zh-TW" dirty="0" err="1"/>
               <a:t>watchOS</a:t>
             </a:r>
             <a:r>
-              <a:rPr lang="en-US" altLang="zh-TW" dirty="0" smtClean="0"/>
+              <a:rPr lang="en-US" altLang="zh-TW" dirty="0"/>
               <a:t>, iOS, </a:t>
             </a:r>
             <a:r>
-              <a:rPr lang="en-US" altLang="zh-TW" dirty="0" err="1" smtClean="0"/>
+              <a:rPr lang="en-US" altLang="zh-TW" dirty="0" err="1"/>
               <a:t>tvOS</a:t>
             </a:r>
             <a:r>
-              <a:rPr lang="en-US" altLang="zh-TW" dirty="0" smtClean="0"/>
+              <a:rPr lang="en-US" altLang="zh-TW" dirty="0"/>
               <a:t>, </a:t>
             </a:r>
             <a:r>
-              <a:rPr lang="en-US" altLang="zh-TW" dirty="0" err="1" smtClean="0"/>
+              <a:rPr lang="en-US" altLang="zh-TW" dirty="0" err="1"/>
               <a:t>macOS</a:t>
             </a:r>
-            <a:endParaRPr lang="en-US" altLang="zh-TW" dirty="0" smtClean="0"/>
-          </a:p>
-          <a:p>
-            <a:r>
-              <a:rPr lang="en-US" altLang="zh-TW" dirty="0" smtClean="0"/>
+            <a:endParaRPr lang="en-US" altLang="zh-TW" dirty="0"/>
+          </a:p>
+          <a:p>
+            <a:r>
+              <a:rPr lang="en-US" altLang="zh-TW" dirty="0"/>
               <a:t> Features include</a:t>
             </a:r>
           </a:p>
           <a:p>
             <a:pPr lvl="1"/>
             <a:r>
-              <a:rPr lang="en-US" altLang="zh-TW" dirty="0" smtClean="0"/>
+              <a:rPr lang="en-US" altLang="zh-TW" dirty="0"/>
               <a:t>64-bit pointers, clones for files and directories, snapshots, copy-on-write design, encryption</a:t>
             </a:r>
           </a:p>
           <a:p>
             <a:pPr lvl="1"/>
             <a:r>
-              <a:rPr lang="en-US" altLang="zh-TW" dirty="0" smtClean="0">
+              <a:rPr lang="en-US" altLang="zh-TW" dirty="0">
                 <a:solidFill>
                   <a:srgbClr val="0000FF"/>
                 </a:solidFill>
@@ -36278,14 +36167,14 @@
               <a:t>Space sharing</a:t>
             </a:r>
             <a:r>
-              <a:rPr lang="en-US" altLang="zh-TW" dirty="0" smtClean="0"/>
+              <a:rPr lang="en-US" altLang="zh-TW" dirty="0"/>
               <a:t>: storage is available as one or more large free spaces (containers) from which file systems can draw allocations</a:t>
             </a:r>
           </a:p>
           <a:p>
             <a:pPr lvl="1"/>
             <a:r>
-              <a:rPr lang="en-US" altLang="zh-TW" dirty="0" smtClean="0">
+              <a:rPr lang="en-US" altLang="zh-TW" dirty="0">
                 <a:solidFill>
                   <a:srgbClr val="0000FF"/>
                 </a:solidFill>
@@ -36293,14 +36182,14 @@
               <a:t>Fast directory sizing</a:t>
             </a:r>
             <a:r>
-              <a:rPr lang="en-US" altLang="zh-TW" dirty="0" smtClean="0"/>
+              <a:rPr lang="en-US" altLang="zh-TW" dirty="0"/>
               <a:t>: provides quick used space calculation and updating</a:t>
             </a:r>
           </a:p>
           <a:p>
             <a:pPr lvl="1"/>
             <a:r>
-              <a:rPr lang="en-US" altLang="zh-TW" dirty="0" smtClean="0">
+              <a:rPr lang="en-US" altLang="zh-TW" dirty="0">
                 <a:solidFill>
                   <a:srgbClr val="0000FF"/>
                 </a:solidFill>
@@ -36308,7 +36197,7 @@
               <a:t>Atomic safe-save primitives</a:t>
             </a:r>
             <a:r>
-              <a:rPr lang="en-US" altLang="zh-TW" dirty="0" smtClean="0"/>
+              <a:rPr lang="en-US" altLang="zh-TW" dirty="0"/>
               <a:t>: perform renames of files, bundles of files, and directories as single atomic operations  </a:t>
             </a:r>
             <a:endParaRPr lang="zh-TW" altLang="en-US" dirty="0"/>
@@ -36498,13 +36387,6 @@
   <p:clrMapOvr>
     <a:masterClrMapping/>
   </p:clrMapOvr>
-  <p:timing>
-    <p:tnLst>
-      <p:par>
-        <p:cTn id="1" dur="indefinite" restart="never" nodeType="tmRoot"/>
-      </p:par>
-    </p:tnLst>
-  </p:timing>
 </p:sld>
 </file>
 
@@ -36648,11 +36530,7 @@
             </a:r>
             <a:r>
               <a:rPr lang="en-US" altLang="ja-JP" sz="2000" dirty="0"/>
-              <a:t> outputs low-level hardware specific commands to hardware </a:t>
-            </a:r>
-            <a:r>
-              <a:rPr lang="en-US" altLang="ja-JP" sz="2000" dirty="0" smtClean="0"/>
-              <a:t>controller (Ch.12)</a:t>
+              <a:t> outputs low-level hardware specific commands to hardware controller (Ch.12)</a:t>
             </a:r>
             <a:endParaRPr lang="en-US" altLang="ja-JP" sz="2000" b="1" dirty="0">
               <a:solidFill>
@@ -37144,21 +37022,8 @@
             </a:pPr>
             <a:r>
               <a:rPr lang="en-US" altLang="en-US" sz="2400" dirty="0"/>
-              <a:t>Many file systems, sometimes many </a:t>
-            </a:r>
-            <a:r>
-              <a:rPr lang="en-US" altLang="en-US" sz="2400" dirty="0" smtClean="0"/>
-              <a:t>are supported within </a:t>
-            </a:r>
-            <a:r>
-              <a:rPr lang="en-US" altLang="en-US" sz="2400" dirty="0"/>
-              <a:t>an </a:t>
-            </a:r>
-            <a:r>
-              <a:rPr lang="en-US" altLang="en-US" sz="2400" dirty="0" smtClean="0"/>
-              <a:t>OS</a:t>
-            </a:r>
-            <a:endParaRPr lang="en-US" altLang="en-US" sz="2400" dirty="0"/>
+              <a:t>Many file systems, sometimes many are supported within an OS</a:t>
+            </a:r>
           </a:p>
           <a:p>
             <a:pPr lvl="1">
@@ -37166,11 +37031,7 @@
             </a:pPr>
             <a:r>
               <a:rPr lang="en-US" altLang="en-US" sz="2400" dirty="0"/>
-              <a:t>Each with its own </a:t>
-            </a:r>
-            <a:r>
-              <a:rPr lang="en-US" altLang="en-US" sz="2400" dirty="0" smtClean="0"/>
-              <a:t>format</a:t>
+              <a:t>Each with its own format</a:t>
             </a:r>
           </a:p>
           <a:p>
@@ -37178,16 +37039,8 @@
               <a:defRPr/>
             </a:pPr>
             <a:r>
-              <a:rPr lang="en-US" altLang="en-US" sz="2400" dirty="0" smtClean="0"/>
-              <a:t>CD-ROM </a:t>
-            </a:r>
-            <a:r>
               <a:rPr lang="en-US" altLang="en-US" sz="2400" dirty="0"/>
-              <a:t>is ISO </a:t>
-            </a:r>
-            <a:r>
-              <a:rPr lang="en-US" altLang="en-US" sz="2400" dirty="0" smtClean="0"/>
-              <a:t>9660 </a:t>
+              <a:t>CD-ROM is ISO 9660 </a:t>
             </a:r>
           </a:p>
           <a:p>
@@ -37195,12 +37048,8 @@
               <a:defRPr/>
             </a:pPr>
             <a:r>
-              <a:rPr lang="en-US" altLang="en-US" sz="2400" dirty="0" smtClean="0"/>
-              <a:t>Unix </a:t>
-            </a:r>
-            <a:r>
               <a:rPr lang="en-US" altLang="en-US" sz="2400" dirty="0"/>
-              <a:t>has </a:t>
+              <a:t>Unix has </a:t>
             </a:r>
             <a:r>
               <a:rPr lang="en-US" altLang="en-US" sz="2400" b="1" dirty="0">
@@ -37213,11 +37062,7 @@
             </a:r>
             <a:r>
               <a:rPr lang="en-US" altLang="en-US" sz="2400" dirty="0"/>
-              <a:t>, </a:t>
-            </a:r>
-            <a:r>
-              <a:rPr lang="en-US" altLang="en-US" sz="2400" dirty="0" smtClean="0"/>
-              <a:t>FFS  </a:t>
+              <a:t>, FFS  </a:t>
             </a:r>
           </a:p>
           <a:p>
@@ -37225,16 +37070,8 @@
               <a:defRPr/>
             </a:pPr>
             <a:r>
-              <a:rPr lang="en-US" altLang="en-US" sz="2400" dirty="0" smtClean="0"/>
-              <a:t>Windows </a:t>
-            </a:r>
-            <a:r>
               <a:rPr lang="en-US" altLang="en-US" sz="2400" dirty="0"/>
-              <a:t>has FAT, FAT32, NTFS as well as floppy, CD, DVD </a:t>
-            </a:r>
-            <a:r>
-              <a:rPr lang="en-US" altLang="en-US" sz="2400" dirty="0" smtClean="0"/>
-              <a:t>Blu-ray</a:t>
+              <a:t>Windows has FAT, FAT32, NTFS as well as floppy, CD, DVD Blu-ray</a:t>
             </a:r>
           </a:p>
           <a:p>
@@ -37242,12 +37079,8 @@
               <a:defRPr/>
             </a:pPr>
             <a:r>
-              <a:rPr lang="en-US" altLang="en-US" sz="2400" dirty="0" smtClean="0"/>
-              <a:t>Linux </a:t>
-            </a:r>
-            <a:r>
               <a:rPr lang="en-US" altLang="en-US" sz="2400" dirty="0"/>
-              <a:t>has more than 130 types, with </a:t>
+              <a:t>Linux has more than 130 types, with </a:t>
             </a:r>
             <a:r>
               <a:rPr lang="en-US" altLang="en-US" sz="2400" b="1" dirty="0">
@@ -37302,13 +37135,8 @@
             </a:r>
             <a:r>
               <a:rPr lang="en-US" altLang="en-US" sz="2400" dirty="0"/>
-              <a:t>ext3 and ext4 leading; plus distributed file systems, etc</a:t>
-            </a:r>
-            <a:r>
-              <a:rPr lang="en-US" altLang="en-US" sz="2400" dirty="0" smtClean="0"/>
-              <a:t>.</a:t>
-            </a:r>
-            <a:endParaRPr lang="en-US" altLang="en-US" sz="2400" dirty="0"/>
+              <a:t>ext3 and ext4 leading; plus distributed file systems, etc.</a:t>
+            </a:r>
           </a:p>
           <a:p>
             <a:pPr lvl="1">
@@ -37468,48 +37296,42 @@
             <a:pPr lvl="1"/>
             <a:r>
               <a:rPr lang="en-US" altLang="en-US" sz="2000" dirty="0"/>
-              <a:t>On-disk and in-memory </a:t>
-            </a:r>
-            <a:r>
-              <a:rPr lang="en-US" altLang="en-US" sz="2000" dirty="0" smtClean="0"/>
-              <a:t>structures</a:t>
-            </a:r>
-          </a:p>
-          <a:p>
-            <a:r>
-              <a:rPr lang="en-US" altLang="en-US" sz="2000" dirty="0" smtClean="0"/>
+              <a:t>On-disk and in-memory structures</a:t>
+            </a:r>
+          </a:p>
+          <a:p>
+            <a:r>
+              <a:rPr lang="en-US" altLang="en-US" sz="2000" dirty="0"/>
               <a:t>On-disk structures</a:t>
             </a:r>
           </a:p>
           <a:p>
             <a:pPr lvl="1"/>
             <a:r>
-              <a:rPr lang="en-US" altLang="en-US" sz="2000" dirty="0" smtClean="0"/>
+              <a:rPr lang="en-US" altLang="en-US" sz="2000" dirty="0"/>
               <a:t>Boot control block (per volume)</a:t>
             </a:r>
           </a:p>
           <a:p>
             <a:pPr lvl="1"/>
             <a:r>
-              <a:rPr lang="en-US" altLang="en-US" sz="2000" dirty="0" smtClean="0"/>
+              <a:rPr lang="en-US" altLang="en-US" sz="2000" dirty="0"/>
               <a:t>Volume control block (per volume)</a:t>
             </a:r>
           </a:p>
           <a:p>
             <a:pPr lvl="1"/>
             <a:r>
-              <a:rPr lang="en-US" altLang="en-US" sz="2000" dirty="0" smtClean="0"/>
+              <a:rPr lang="en-US" altLang="en-US" sz="2000" dirty="0"/>
               <a:t>Directory structure (per file system)</a:t>
             </a:r>
-            <a:endParaRPr lang="en-US" altLang="en-US" sz="2000" dirty="0"/>
           </a:p>
           <a:p>
             <a:pPr lvl="1"/>
             <a:r>
-              <a:rPr lang="en-US" altLang="en-US" sz="2000" dirty="0" smtClean="0"/>
+              <a:rPr lang="en-US" altLang="en-US" sz="2000" dirty="0"/>
               <a:t>Per-file File-control block (FCB)</a:t>
             </a:r>
-            <a:endParaRPr lang="en-US" altLang="en-US" sz="2000" dirty="0"/>
           </a:p>
         </p:txBody>
       </p:sp>
